--- a/documents/hardware presation.pptx
+++ b/documents/hardware presation.pptx
@@ -497,7 +497,7 @@
             <a:fld id="{596428A2-BB1F-4370-866C-9FDB60974092}" type="datetimeFigureOut">
               <a:rPr lang="en-CA" smtClean="0"/>
               <a:pPr/>
-              <a:t>2016-11-27</a:t>
+              <a:t>2016-11-30</a:t>
             </a:fld>
             <a:endParaRPr lang="en-CA"/>
           </a:p>
@@ -664,7 +664,7 @@
             <a:fld id="{596428A2-BB1F-4370-866C-9FDB60974092}" type="datetimeFigureOut">
               <a:rPr lang="en-CA" smtClean="0"/>
               <a:pPr/>
-              <a:t>2016-11-27</a:t>
+              <a:t>2016-11-30</a:t>
             </a:fld>
             <a:endParaRPr lang="en-CA"/>
           </a:p>
@@ -841,7 +841,7 @@
             <a:fld id="{596428A2-BB1F-4370-866C-9FDB60974092}" type="datetimeFigureOut">
               <a:rPr lang="en-CA" smtClean="0"/>
               <a:pPr/>
-              <a:t>2016-11-27</a:t>
+              <a:t>2016-11-30</a:t>
             </a:fld>
             <a:endParaRPr lang="en-CA"/>
           </a:p>
@@ -1012,7 +1012,7 @@
             <a:fld id="{596428A2-BB1F-4370-866C-9FDB60974092}" type="datetimeFigureOut">
               <a:rPr lang="en-CA" smtClean="0"/>
               <a:pPr/>
-              <a:t>2016-11-27</a:t>
+              <a:t>2016-11-30</a:t>
             </a:fld>
             <a:endParaRPr lang="en-CA"/>
           </a:p>
@@ -1469,7 +1469,7 @@
             <a:fld id="{596428A2-BB1F-4370-866C-9FDB60974092}" type="datetimeFigureOut">
               <a:rPr lang="en-CA" smtClean="0"/>
               <a:pPr/>
-              <a:t>2016-11-27</a:t>
+              <a:t>2016-11-30</a:t>
             </a:fld>
             <a:endParaRPr lang="en-CA"/>
           </a:p>
@@ -1735,7 +1735,7 @@
             <a:fld id="{596428A2-BB1F-4370-866C-9FDB60974092}" type="datetimeFigureOut">
               <a:rPr lang="en-CA" smtClean="0"/>
               <a:pPr/>
-              <a:t>2016-11-27</a:t>
+              <a:t>2016-11-30</a:t>
             </a:fld>
             <a:endParaRPr lang="en-CA"/>
           </a:p>
@@ -2111,7 +2111,7 @@
             <a:fld id="{596428A2-BB1F-4370-866C-9FDB60974092}" type="datetimeFigureOut">
               <a:rPr lang="en-CA" smtClean="0"/>
               <a:pPr/>
-              <a:t>2016-11-27</a:t>
+              <a:t>2016-11-30</a:t>
             </a:fld>
             <a:endParaRPr lang="en-CA"/>
           </a:p>
@@ -2235,7 +2235,7 @@
             <a:fld id="{596428A2-BB1F-4370-866C-9FDB60974092}" type="datetimeFigureOut">
               <a:rPr lang="en-CA" smtClean="0"/>
               <a:pPr/>
-              <a:t>2016-11-27</a:t>
+              <a:t>2016-11-30</a:t>
             </a:fld>
             <a:endParaRPr lang="en-CA"/>
           </a:p>
@@ -2327,7 +2327,7 @@
             <a:fld id="{596428A2-BB1F-4370-866C-9FDB60974092}" type="datetimeFigureOut">
               <a:rPr lang="en-CA" smtClean="0"/>
               <a:pPr/>
-              <a:t>2016-11-27</a:t>
+              <a:t>2016-11-30</a:t>
             </a:fld>
             <a:endParaRPr lang="en-CA"/>
           </a:p>
@@ -2578,7 +2578,7 @@
             <a:fld id="{596428A2-BB1F-4370-866C-9FDB60974092}" type="datetimeFigureOut">
               <a:rPr lang="en-CA" smtClean="0"/>
               <a:pPr/>
-              <a:t>2016-11-27</a:t>
+              <a:t>2016-11-30</a:t>
             </a:fld>
             <a:endParaRPr lang="en-CA"/>
           </a:p>
@@ -2839,7 +2839,7 @@
             <a:fld id="{596428A2-BB1F-4370-866C-9FDB60974092}" type="datetimeFigureOut">
               <a:rPr lang="en-CA" smtClean="0"/>
               <a:pPr/>
-              <a:t>2016-11-27</a:t>
+              <a:t>2016-11-30</a:t>
             </a:fld>
             <a:endParaRPr lang="en-CA"/>
           </a:p>
@@ -3245,7 +3245,7 @@
             <a:fld id="{596428A2-BB1F-4370-866C-9FDB60974092}" type="datetimeFigureOut">
               <a:rPr lang="en-CA" smtClean="0"/>
               <a:pPr/>
-              <a:t>2016-11-27</a:t>
+              <a:t>2016-11-30</a:t>
             </a:fld>
             <a:endParaRPr lang="en-CA"/>
           </a:p>
@@ -3774,8 +3774,8 @@
         </p:nvSpPr>
         <p:spPr>
           <a:xfrm>
-            <a:off x="179512" y="6021288"/>
-            <a:ext cx="4308680" cy="523220"/>
+            <a:off x="129017" y="6021288"/>
+            <a:ext cx="4409670" cy="523220"/>
           </a:xfrm>
           <a:prstGeom prst="rect">
             <a:avLst/>
@@ -3853,7 +3853,7 @@
                   </a:outerShdw>
                 </a:effectLst>
               </a:rPr>
-              <a:t>. </a:t>
+              <a:t> </a:t>
             </a:r>
             <a:r>
               <a:rPr lang="en-US" sz="2800" b="1" cap="none" spc="0" dirty="0" err="1" smtClean="0">
@@ -3875,7 +3875,7 @@
                   </a:outerShdw>
                 </a:effectLst>
               </a:rPr>
-              <a:t>Ariyanaygam</a:t>
+              <a:t>Ariyanayagam</a:t>
             </a:r>
             <a:endParaRPr lang="en-US" sz="2800" b="1" cap="none" spc="0" dirty="0">
               <a:ln w="18000">
@@ -4006,7 +4006,7 @@
         </p:nvSpPr>
         <p:spPr>
           <a:xfrm>
-            <a:off x="323528" y="2060848"/>
+            <a:off x="323528" y="1772816"/>
             <a:ext cx="8496944" cy="1754326"/>
           </a:xfrm>
           <a:prstGeom prst="rect">
@@ -4049,6 +4049,32 @@
           </a:p>
         </p:txBody>
       </p:sp>
+      <p:pic>
+        <p:nvPicPr>
+          <p:cNvPr id="5122" name="Picture 2" descr="Image result for industry 4.0"/>
+          <p:cNvPicPr>
+            <a:picLocks noChangeAspect="1" noChangeArrowheads="1"/>
+          </p:cNvPicPr>
+          <p:nvPr/>
+        </p:nvPicPr>
+        <p:blipFill>
+          <a:blip r:embed="rId2" cstate="print"/>
+          <a:srcRect/>
+          <a:stretch>
+            <a:fillRect/>
+          </a:stretch>
+        </p:blipFill>
+        <p:spPr bwMode="auto">
+          <a:xfrm>
+            <a:off x="467544" y="3933056"/>
+            <a:ext cx="7790756" cy="2748991"/>
+          </a:xfrm>
+          <a:prstGeom prst="rect">
+            <a:avLst/>
+          </a:prstGeom>
+          <a:noFill/>
+        </p:spPr>
+      </p:pic>
     </p:spTree>
   </p:cSld>
   <p:clrMapOvr>
@@ -4217,7 +4243,7 @@
         <p:spPr>
           <a:xfrm>
             <a:off x="179512" y="3861048"/>
-            <a:ext cx="6624736" cy="1877437"/>
+            <a:ext cx="6624736" cy="2246769"/>
           </a:xfrm>
           <a:prstGeom prst="rect">
             <a:avLst/>
@@ -4301,7 +4327,11 @@
             </a:r>
             <a:r>
               <a:rPr lang="en-CA" sz="1400" dirty="0" smtClean="0"/>
-              <a:t> $13.95</a:t>
+              <a:t> $</a:t>
+            </a:r>
+            <a:r>
+              <a:rPr lang="en-CA" sz="1400" dirty="0" smtClean="0"/>
+              <a:t>13.95</a:t>
             </a:r>
           </a:p>
           <a:p>
@@ -4310,8 +4340,23 @@
           <a:p>
             <a:r>
               <a:rPr lang="en-CA" sz="1400" dirty="0" smtClean="0"/>
-              <a:t>Total of the two item is: $ 81.24 making the some total to be: $321.86</a:t>
-            </a:r>
+              <a:t>PCB part kit $30</a:t>
+            </a:r>
+            <a:endParaRPr lang="en-CA" sz="1400" dirty="0" smtClean="0"/>
+          </a:p>
+          <a:p>
+            <a:endParaRPr lang="en-CA" sz="1400" dirty="0" smtClean="0"/>
+          </a:p>
+          <a:p>
+            <a:r>
+              <a:rPr lang="en-CA" sz="1400" dirty="0" smtClean="0"/>
+              <a:t>Total of the two item is: $ 81.24 making the some total to be: $</a:t>
+            </a:r>
+            <a:r>
+              <a:rPr lang="en-CA" sz="1400" dirty="0" smtClean="0"/>
+              <a:t>351.86</a:t>
+            </a:r>
+            <a:endParaRPr lang="en-CA" sz="1400" dirty="0" smtClean="0"/>
           </a:p>
         </p:txBody>
       </p:sp>
@@ -4500,7 +4545,7 @@
         </p:nvSpPr>
         <p:spPr>
           <a:xfrm>
-            <a:off x="539552" y="1772816"/>
+            <a:off x="5650736" y="5657671"/>
             <a:ext cx="3493264" cy="1200329"/>
           </a:xfrm>
           <a:prstGeom prst="rect">
@@ -4559,8 +4604,8 @@
         </p:nvSpPr>
         <p:spPr>
           <a:xfrm>
-            <a:off x="467544" y="3717032"/>
-            <a:ext cx="5647700" cy="1477328"/>
+            <a:off x="0" y="5380672"/>
+            <a:ext cx="5711820" cy="1200329"/>
           </a:xfrm>
           <a:prstGeom prst="rect">
             <a:avLst/>
@@ -4579,33 +4624,27 @@
             </a:r>
           </a:p>
           <a:p>
+            <a:r>
+              <a:rPr lang="en-CA" dirty="0" smtClean="0"/>
+              <a:t>- Database </a:t>
+            </a:r>
+            <a:r>
+              <a:rPr lang="en-CA" dirty="0" smtClean="0"/>
+              <a:t>online </a:t>
+            </a:r>
+          </a:p>
+          <a:p>
             <a:pPr>
               <a:buFontTx/>
               <a:buChar char="-"/>
             </a:pPr>
             <a:r>
               <a:rPr lang="en-CA" dirty="0" smtClean="0"/>
-              <a:t>Get the information for the PCB board</a:t>
-            </a:r>
-          </a:p>
-          <a:p>
-            <a:pPr>
-              <a:buFontTx/>
-              <a:buChar char="-"/>
-            </a:pPr>
+              <a:t> Connecting </a:t>
+            </a:r>
             <a:r>
               <a:rPr lang="en-CA" dirty="0" smtClean="0"/>
-              <a:t> Database online </a:t>
-            </a:r>
-          </a:p>
-          <a:p>
-            <a:pPr>
-              <a:buFontTx/>
-              <a:buChar char="-"/>
-            </a:pPr>
-            <a:r>
-              <a:rPr lang="en-CA" dirty="0" smtClean="0"/>
-              <a:t>Connecting the database to get information from the </a:t>
+              <a:t>the database to get information from the </a:t>
             </a:r>
           </a:p>
           <a:p>
@@ -4616,6 +4655,70 @@
           </a:p>
         </p:txBody>
       </p:sp>
+      <p:pic>
+        <p:nvPicPr>
+          <p:cNvPr id="1026" name="Picture 2"/>
+          <p:cNvPicPr>
+            <a:picLocks noChangeAspect="1" noChangeArrowheads="1"/>
+          </p:cNvPicPr>
+          <p:nvPr/>
+        </p:nvPicPr>
+        <p:blipFill>
+          <a:blip r:embed="rId2" cstate="print"/>
+          <a:srcRect/>
+          <a:stretch>
+            <a:fillRect/>
+          </a:stretch>
+        </p:blipFill>
+        <p:spPr bwMode="auto">
+          <a:xfrm>
+            <a:off x="4499992" y="2708920"/>
+            <a:ext cx="4427984" cy="2377992"/>
+          </a:xfrm>
+          <a:prstGeom prst="rect">
+            <a:avLst/>
+          </a:prstGeom>
+          <a:noFill/>
+          <a:ln w="9525">
+            <a:noFill/>
+            <a:miter lim="800000"/>
+            <a:headEnd/>
+            <a:tailEnd/>
+          </a:ln>
+        </p:spPr>
+      </p:pic>
+      <p:pic>
+        <p:nvPicPr>
+          <p:cNvPr id="1027" name="Picture 3"/>
+          <p:cNvPicPr>
+            <a:picLocks noChangeAspect="1" noChangeArrowheads="1"/>
+          </p:cNvPicPr>
+          <p:nvPr/>
+        </p:nvPicPr>
+        <p:blipFill>
+          <a:blip r:embed="rId3" cstate="print"/>
+          <a:srcRect/>
+          <a:stretch>
+            <a:fillRect/>
+          </a:stretch>
+        </p:blipFill>
+        <p:spPr bwMode="auto">
+          <a:xfrm>
+            <a:off x="1" y="1300647"/>
+            <a:ext cx="4355976" cy="3116126"/>
+          </a:xfrm>
+          <a:prstGeom prst="rect">
+            <a:avLst/>
+          </a:prstGeom>
+          <a:noFill/>
+          <a:ln w="9525">
+            <a:noFill/>
+            <a:miter lim="800000"/>
+            <a:headEnd/>
+            <a:tailEnd/>
+          </a:ln>
+        </p:spPr>
+      </p:pic>
     </p:spTree>
   </p:cSld>
   <p:clrMapOvr>
@@ -5038,11 +5141,7 @@
             </a:pPr>
             <a:r>
               <a:rPr lang="en-CA" dirty="0" smtClean="0"/>
-              <a:t> </a:t>
-            </a:r>
-            <a:r>
-              <a:rPr lang="en-CA" dirty="0" smtClean="0"/>
-              <a:t>python coding</a:t>
+              <a:t> python coding</a:t>
             </a:r>
           </a:p>
           <a:p>
